--- a/images/cgroup.pptx
+++ b/images/cgroup.pptx
@@ -53,7 +53,7 @@
       </p:grpSpPr>
       <p:sp>
         <p:nvSpPr>
-          <p:cNvPr id="26" name="PlaceHolder 1"/>
+          <p:cNvPr id="21" name="PlaceHolder 1"/>
           <p:cNvSpPr>
             <a:spLocks noGrp="1"/>
           </p:cNvSpPr>
@@ -64,7 +64,7 @@
         <p:spPr>
           <a:xfrm>
             <a:off x="504000" y="301320"/>
-            <a:ext cx="9071640" cy="1262160"/>
+            <a:ext cx="9072000" cy="1261800"/>
           </a:xfrm>
           <a:prstGeom prst="rect">
             <a:avLst/>
@@ -90,7 +90,7 @@
       </p:sp>
       <p:sp>
         <p:nvSpPr>
-          <p:cNvPr id="27" name="PlaceHolder 2"/>
+          <p:cNvPr id="22" name="PlaceHolder 2"/>
           <p:cNvSpPr>
             <a:spLocks noGrp="1"/>
           </p:cNvSpPr>
@@ -100,8 +100,8 @@
         </p:nvSpPr>
         <p:spPr>
           <a:xfrm>
-            <a:off x="504000" y="1769040"/>
-            <a:ext cx="9071640" cy="2091240"/>
+            <a:off x="504000" y="1768680"/>
+            <a:ext cx="9072000" cy="2090880"/>
           </a:xfrm>
           <a:prstGeom prst="rect">
             <a:avLst/>
@@ -126,7 +126,7 @@
       </p:sp>
       <p:sp>
         <p:nvSpPr>
-          <p:cNvPr id="28" name="PlaceHolder 3"/>
+          <p:cNvPr id="23" name="PlaceHolder 3"/>
           <p:cNvSpPr>
             <a:spLocks noGrp="1"/>
           </p:cNvSpPr>
@@ -136,8 +136,8 @@
         </p:nvSpPr>
         <p:spPr>
           <a:xfrm>
-            <a:off x="504000" y="4059360"/>
-            <a:ext cx="9071640" cy="2091240"/>
+            <a:off x="504000" y="4058640"/>
+            <a:ext cx="9072000" cy="2090880"/>
           </a:xfrm>
           <a:prstGeom prst="rect">
             <a:avLst/>
@@ -184,7 +184,7 @@
       </p:grpSpPr>
       <p:sp>
         <p:nvSpPr>
-          <p:cNvPr id="29" name="PlaceHolder 1"/>
+          <p:cNvPr id="24" name="PlaceHolder 1"/>
           <p:cNvSpPr>
             <a:spLocks noGrp="1"/>
           </p:cNvSpPr>
@@ -195,7 +195,7 @@
         <p:spPr>
           <a:xfrm>
             <a:off x="504000" y="301320"/>
-            <a:ext cx="9071640" cy="1262160"/>
+            <a:ext cx="9072000" cy="1261800"/>
           </a:xfrm>
           <a:prstGeom prst="rect">
             <a:avLst/>
@@ -221,7 +221,7 @@
       </p:sp>
       <p:sp>
         <p:nvSpPr>
-          <p:cNvPr id="30" name="PlaceHolder 2"/>
+          <p:cNvPr id="25" name="PlaceHolder 2"/>
           <p:cNvSpPr>
             <a:spLocks noGrp="1"/>
           </p:cNvSpPr>
@@ -231,8 +231,8 @@
         </p:nvSpPr>
         <p:spPr>
           <a:xfrm>
-            <a:off x="504000" y="1769040"/>
-            <a:ext cx="4426920" cy="2091240"/>
+            <a:off x="504000" y="1768680"/>
+            <a:ext cx="4426920" cy="2090880"/>
           </a:xfrm>
           <a:prstGeom prst="rect">
             <a:avLst/>
@@ -257,7 +257,7 @@
       </p:sp>
       <p:sp>
         <p:nvSpPr>
-          <p:cNvPr id="31" name="PlaceHolder 3"/>
+          <p:cNvPr id="26" name="PlaceHolder 3"/>
           <p:cNvSpPr>
             <a:spLocks noGrp="1"/>
           </p:cNvSpPr>
@@ -267,8 +267,8 @@
         </p:nvSpPr>
         <p:spPr>
           <a:xfrm>
-            <a:off x="5152680" y="1769040"/>
-            <a:ext cx="4426920" cy="2091240"/>
+            <a:off x="5152680" y="1768680"/>
+            <a:ext cx="4426920" cy="2090880"/>
           </a:xfrm>
           <a:prstGeom prst="rect">
             <a:avLst/>
@@ -293,7 +293,7 @@
       </p:sp>
       <p:sp>
         <p:nvSpPr>
-          <p:cNvPr id="32" name="PlaceHolder 4"/>
+          <p:cNvPr id="27" name="PlaceHolder 4"/>
           <p:cNvSpPr>
             <a:spLocks noGrp="1"/>
           </p:cNvSpPr>
@@ -303,8 +303,8 @@
         </p:nvSpPr>
         <p:spPr>
           <a:xfrm>
-            <a:off x="5152680" y="4059360"/>
-            <a:ext cx="4426920" cy="2091240"/>
+            <a:off x="5152680" y="4058640"/>
+            <a:ext cx="4426920" cy="2090880"/>
           </a:xfrm>
           <a:prstGeom prst="rect">
             <a:avLst/>
@@ -329,7 +329,7 @@
       </p:sp>
       <p:sp>
         <p:nvSpPr>
-          <p:cNvPr id="33" name="PlaceHolder 5"/>
+          <p:cNvPr id="28" name="PlaceHolder 5"/>
           <p:cNvSpPr>
             <a:spLocks noGrp="1"/>
           </p:cNvSpPr>
@@ -339,8 +339,8 @@
         </p:nvSpPr>
         <p:spPr>
           <a:xfrm>
-            <a:off x="504000" y="4059360"/>
-            <a:ext cx="4426920" cy="2091240"/>
+            <a:off x="504000" y="4058640"/>
+            <a:ext cx="4426920" cy="2090880"/>
           </a:xfrm>
           <a:prstGeom prst="rect">
             <a:avLst/>
@@ -387,7 +387,7 @@
       </p:grpSpPr>
       <p:sp>
         <p:nvSpPr>
-          <p:cNvPr id="34" name="PlaceHolder 1"/>
+          <p:cNvPr id="29" name="PlaceHolder 1"/>
           <p:cNvSpPr>
             <a:spLocks noGrp="1"/>
           </p:cNvSpPr>
@@ -398,7 +398,7 @@
         <p:spPr>
           <a:xfrm>
             <a:off x="504000" y="301320"/>
-            <a:ext cx="9071640" cy="1262160"/>
+            <a:ext cx="9072000" cy="1261800"/>
           </a:xfrm>
           <a:prstGeom prst="rect">
             <a:avLst/>
@@ -424,7 +424,7 @@
       </p:sp>
       <p:sp>
         <p:nvSpPr>
-          <p:cNvPr id="35" name="PlaceHolder 2"/>
+          <p:cNvPr id="30" name="PlaceHolder 2"/>
           <p:cNvSpPr>
             <a:spLocks noGrp="1"/>
           </p:cNvSpPr>
@@ -434,8 +434,8 @@
         </p:nvSpPr>
         <p:spPr>
           <a:xfrm>
-            <a:off x="504000" y="1769040"/>
-            <a:ext cx="9071640" cy="4384440"/>
+            <a:off x="504000" y="1768680"/>
+            <a:ext cx="9072000" cy="4384080"/>
           </a:xfrm>
           <a:prstGeom prst="rect">
             <a:avLst/>
@@ -460,7 +460,7 @@
       </p:sp>
       <p:sp>
         <p:nvSpPr>
-          <p:cNvPr id="36" name="PlaceHolder 3"/>
+          <p:cNvPr id="31" name="PlaceHolder 3"/>
           <p:cNvSpPr>
             <a:spLocks noGrp="1"/>
           </p:cNvSpPr>
@@ -470,8 +470,8 @@
         </p:nvSpPr>
         <p:spPr>
           <a:xfrm>
-            <a:off x="504000" y="1769040"/>
-            <a:ext cx="9071640" cy="4384440"/>
+            <a:off x="504000" y="1768680"/>
+            <a:ext cx="9072000" cy="4384080"/>
           </a:xfrm>
           <a:prstGeom prst="rect">
             <a:avLst/>
@@ -496,7 +496,7 @@
       </p:sp>
       <p:pic>
         <p:nvPicPr>
-          <p:cNvPr id="37" name="" descr=""/>
+          <p:cNvPr id="32" name="" descr=""/>
           <p:cNvPicPr/>
           <p:nvPr/>
         </p:nvPicPr>
@@ -506,20 +506,20 @@
         </p:blipFill>
         <p:spPr>
           <a:xfrm>
-            <a:off x="2292120" y="1768680"/>
-            <a:ext cx="5495040" cy="4384440"/>
-          </a:xfrm>
-          <a:prstGeom prst="rect">
-            <a:avLst/>
-          </a:prstGeom>
-          <a:ln w="36000">
+            <a:off x="2292480" y="1768680"/>
+            <a:ext cx="5494680" cy="4384080"/>
+          </a:xfrm>
+          <a:prstGeom prst="rect">
+            <a:avLst/>
+          </a:prstGeom>
+          <a:ln>
             <a:noFill/>
           </a:ln>
         </p:spPr>
       </p:pic>
       <p:pic>
         <p:nvPicPr>
-          <p:cNvPr id="38" name="" descr=""/>
+          <p:cNvPr id="33" name="" descr=""/>
           <p:cNvPicPr/>
           <p:nvPr/>
         </p:nvPicPr>
@@ -529,13 +529,13 @@
         </p:blipFill>
         <p:spPr>
           <a:xfrm>
-            <a:off x="2292120" y="1768680"/>
-            <a:ext cx="5495040" cy="4384440"/>
-          </a:xfrm>
-          <a:prstGeom prst="rect">
-            <a:avLst/>
-          </a:prstGeom>
-          <a:ln w="36000">
+            <a:off x="2292480" y="1768680"/>
+            <a:ext cx="5494680" cy="4384080"/>
+          </a:xfrm>
+          <a:prstGeom prst="rect">
+            <a:avLst/>
+          </a:prstGeom>
+          <a:ln>
             <a:noFill/>
           </a:ln>
         </p:spPr>
@@ -564,7 +564,7 @@
       </p:grpSpPr>
       <p:sp>
         <p:nvSpPr>
-          <p:cNvPr id="5" name="PlaceHolder 1"/>
+          <p:cNvPr id="0" name="PlaceHolder 1"/>
           <p:cNvSpPr>
             <a:spLocks noGrp="1"/>
           </p:cNvSpPr>
@@ -575,7 +575,7 @@
         <p:spPr>
           <a:xfrm>
             <a:off x="504000" y="301320"/>
-            <a:ext cx="9071640" cy="1262160"/>
+            <a:ext cx="9072000" cy="1261800"/>
           </a:xfrm>
           <a:prstGeom prst="rect">
             <a:avLst/>
@@ -601,7 +601,7 @@
       </p:sp>
       <p:sp>
         <p:nvSpPr>
-          <p:cNvPr id="6" name="PlaceHolder 2"/>
+          <p:cNvPr id="1" name="PlaceHolder 2"/>
           <p:cNvSpPr>
             <a:spLocks noGrp="1"/>
           </p:cNvSpPr>
@@ -611,8 +611,8 @@
         </p:nvSpPr>
         <p:spPr>
           <a:xfrm>
-            <a:off x="504000" y="1769040"/>
-            <a:ext cx="9071640" cy="4384440"/>
+            <a:off x="504000" y="1768680"/>
+            <a:ext cx="9072000" cy="4384080"/>
           </a:xfrm>
           <a:prstGeom prst="rect">
             <a:avLst/>
@@ -660,7 +660,7 @@
       </p:grpSpPr>
       <p:sp>
         <p:nvSpPr>
-          <p:cNvPr id="7" name="PlaceHolder 1"/>
+          <p:cNvPr id="2" name="PlaceHolder 1"/>
           <p:cNvSpPr>
             <a:spLocks noGrp="1"/>
           </p:cNvSpPr>
@@ -671,7 +671,7 @@
         <p:spPr>
           <a:xfrm>
             <a:off x="504000" y="301320"/>
-            <a:ext cx="9071640" cy="1262160"/>
+            <a:ext cx="9072000" cy="1261800"/>
           </a:xfrm>
           <a:prstGeom prst="rect">
             <a:avLst/>
@@ -697,7 +697,7 @@
       </p:sp>
       <p:sp>
         <p:nvSpPr>
-          <p:cNvPr id="8" name="PlaceHolder 2"/>
+          <p:cNvPr id="3" name="PlaceHolder 2"/>
           <p:cNvSpPr>
             <a:spLocks noGrp="1"/>
           </p:cNvSpPr>
@@ -707,8 +707,8 @@
         </p:nvSpPr>
         <p:spPr>
           <a:xfrm>
-            <a:off x="504000" y="1769040"/>
-            <a:ext cx="9071640" cy="4384440"/>
+            <a:off x="504000" y="1768680"/>
+            <a:ext cx="9072000" cy="4384080"/>
           </a:xfrm>
           <a:prstGeom prst="rect">
             <a:avLst/>
@@ -755,7 +755,7 @@
       </p:grpSpPr>
       <p:sp>
         <p:nvSpPr>
-          <p:cNvPr id="9" name="PlaceHolder 1"/>
+          <p:cNvPr id="4" name="PlaceHolder 1"/>
           <p:cNvSpPr>
             <a:spLocks noGrp="1"/>
           </p:cNvSpPr>
@@ -766,7 +766,7 @@
         <p:spPr>
           <a:xfrm>
             <a:off x="504000" y="301320"/>
-            <a:ext cx="9071640" cy="1262160"/>
+            <a:ext cx="9072000" cy="1261800"/>
           </a:xfrm>
           <a:prstGeom prst="rect">
             <a:avLst/>
@@ -792,7 +792,7 @@
       </p:sp>
       <p:sp>
         <p:nvSpPr>
-          <p:cNvPr id="10" name="PlaceHolder 2"/>
+          <p:cNvPr id="5" name="PlaceHolder 2"/>
           <p:cNvSpPr>
             <a:spLocks noGrp="1"/>
           </p:cNvSpPr>
@@ -802,8 +802,8 @@
         </p:nvSpPr>
         <p:spPr>
           <a:xfrm>
-            <a:off x="504000" y="1769040"/>
-            <a:ext cx="4426920" cy="4384440"/>
+            <a:off x="504000" y="1768680"/>
+            <a:ext cx="4426920" cy="4384080"/>
           </a:xfrm>
           <a:prstGeom prst="rect">
             <a:avLst/>
@@ -828,7 +828,7 @@
       </p:sp>
       <p:sp>
         <p:nvSpPr>
-          <p:cNvPr id="11" name="PlaceHolder 3"/>
+          <p:cNvPr id="6" name="PlaceHolder 3"/>
           <p:cNvSpPr>
             <a:spLocks noGrp="1"/>
           </p:cNvSpPr>
@@ -838,8 +838,8 @@
         </p:nvSpPr>
         <p:spPr>
           <a:xfrm>
-            <a:off x="5152680" y="1769040"/>
-            <a:ext cx="4426920" cy="4384440"/>
+            <a:off x="5152680" y="1768680"/>
+            <a:ext cx="4426920" cy="4384080"/>
           </a:xfrm>
           <a:prstGeom prst="rect">
             <a:avLst/>
@@ -886,7 +886,7 @@
       </p:grpSpPr>
       <p:sp>
         <p:nvSpPr>
-          <p:cNvPr id="12" name="PlaceHolder 1"/>
+          <p:cNvPr id="7" name="PlaceHolder 1"/>
           <p:cNvSpPr>
             <a:spLocks noGrp="1"/>
           </p:cNvSpPr>
@@ -897,7 +897,7 @@
         <p:spPr>
           <a:xfrm>
             <a:off x="504000" y="301320"/>
-            <a:ext cx="9071640" cy="1262160"/>
+            <a:ext cx="9072000" cy="1261800"/>
           </a:xfrm>
           <a:prstGeom prst="rect">
             <a:avLst/>
@@ -945,7 +945,7 @@
       </p:grpSpPr>
       <p:sp>
         <p:nvSpPr>
-          <p:cNvPr id="13" name="PlaceHolder 1"/>
+          <p:cNvPr id="8" name="PlaceHolder 1"/>
           <p:cNvSpPr>
             <a:spLocks noGrp="1"/>
           </p:cNvSpPr>
@@ -956,7 +956,7 @@
         <p:spPr>
           <a:xfrm>
             <a:off x="504000" y="301320"/>
-            <a:ext cx="9071640" cy="5851800"/>
+            <a:ext cx="9072000" cy="5850360"/>
           </a:xfrm>
           <a:prstGeom prst="rect">
             <a:avLst/>
@@ -1004,7 +1004,7 @@
       </p:grpSpPr>
       <p:sp>
         <p:nvSpPr>
-          <p:cNvPr id="14" name="PlaceHolder 1"/>
+          <p:cNvPr id="9" name="PlaceHolder 1"/>
           <p:cNvSpPr>
             <a:spLocks noGrp="1"/>
           </p:cNvSpPr>
@@ -1015,7 +1015,7 @@
         <p:spPr>
           <a:xfrm>
             <a:off x="504000" y="301320"/>
-            <a:ext cx="9071640" cy="1262160"/>
+            <a:ext cx="9072000" cy="1261800"/>
           </a:xfrm>
           <a:prstGeom prst="rect">
             <a:avLst/>
@@ -1041,7 +1041,7 @@
       </p:sp>
       <p:sp>
         <p:nvSpPr>
-          <p:cNvPr id="15" name="PlaceHolder 2"/>
+          <p:cNvPr id="10" name="PlaceHolder 2"/>
           <p:cNvSpPr>
             <a:spLocks noGrp="1"/>
           </p:cNvSpPr>
@@ -1051,8 +1051,8 @@
         </p:nvSpPr>
         <p:spPr>
           <a:xfrm>
-            <a:off x="504000" y="1769040"/>
-            <a:ext cx="4426920" cy="2091240"/>
+            <a:off x="504000" y="1768680"/>
+            <a:ext cx="4426920" cy="2090880"/>
           </a:xfrm>
           <a:prstGeom prst="rect">
             <a:avLst/>
@@ -1077,7 +1077,7 @@
       </p:sp>
       <p:sp>
         <p:nvSpPr>
-          <p:cNvPr id="16" name="PlaceHolder 3"/>
+          <p:cNvPr id="11" name="PlaceHolder 3"/>
           <p:cNvSpPr>
             <a:spLocks noGrp="1"/>
           </p:cNvSpPr>
@@ -1087,8 +1087,8 @@
         </p:nvSpPr>
         <p:spPr>
           <a:xfrm>
-            <a:off x="504000" y="4059360"/>
-            <a:ext cx="4426920" cy="2091240"/>
+            <a:off x="504000" y="4058640"/>
+            <a:ext cx="4426920" cy="2090880"/>
           </a:xfrm>
           <a:prstGeom prst="rect">
             <a:avLst/>
@@ -1113,7 +1113,7 @@
       </p:sp>
       <p:sp>
         <p:nvSpPr>
-          <p:cNvPr id="17" name="PlaceHolder 4"/>
+          <p:cNvPr id="12" name="PlaceHolder 4"/>
           <p:cNvSpPr>
             <a:spLocks noGrp="1"/>
           </p:cNvSpPr>
@@ -1123,8 +1123,8 @@
         </p:nvSpPr>
         <p:spPr>
           <a:xfrm>
-            <a:off x="5152680" y="1769040"/>
-            <a:ext cx="4426920" cy="4384440"/>
+            <a:off x="5152680" y="1768680"/>
+            <a:ext cx="4426920" cy="4384080"/>
           </a:xfrm>
           <a:prstGeom prst="rect">
             <a:avLst/>
@@ -1171,7 +1171,7 @@
       </p:grpSpPr>
       <p:sp>
         <p:nvSpPr>
-          <p:cNvPr id="18" name="PlaceHolder 1"/>
+          <p:cNvPr id="13" name="PlaceHolder 1"/>
           <p:cNvSpPr>
             <a:spLocks noGrp="1"/>
           </p:cNvSpPr>
@@ -1182,7 +1182,7 @@
         <p:spPr>
           <a:xfrm>
             <a:off x="504000" y="301320"/>
-            <a:ext cx="9071640" cy="1262160"/>
+            <a:ext cx="9072000" cy="1261800"/>
           </a:xfrm>
           <a:prstGeom prst="rect">
             <a:avLst/>
@@ -1208,7 +1208,7 @@
       </p:sp>
       <p:sp>
         <p:nvSpPr>
-          <p:cNvPr id="19" name="PlaceHolder 2"/>
+          <p:cNvPr id="14" name="PlaceHolder 2"/>
           <p:cNvSpPr>
             <a:spLocks noGrp="1"/>
           </p:cNvSpPr>
@@ -1218,8 +1218,8 @@
         </p:nvSpPr>
         <p:spPr>
           <a:xfrm>
-            <a:off x="504000" y="1769040"/>
-            <a:ext cx="4426920" cy="4384440"/>
+            <a:off x="504000" y="1768680"/>
+            <a:ext cx="4426920" cy="4384080"/>
           </a:xfrm>
           <a:prstGeom prst="rect">
             <a:avLst/>
@@ -1244,7 +1244,7 @@
       </p:sp>
       <p:sp>
         <p:nvSpPr>
-          <p:cNvPr id="20" name="PlaceHolder 3"/>
+          <p:cNvPr id="15" name="PlaceHolder 3"/>
           <p:cNvSpPr>
             <a:spLocks noGrp="1"/>
           </p:cNvSpPr>
@@ -1254,8 +1254,8 @@
         </p:nvSpPr>
         <p:spPr>
           <a:xfrm>
-            <a:off x="5152680" y="1769040"/>
-            <a:ext cx="4426920" cy="2091240"/>
+            <a:off x="5152680" y="1768680"/>
+            <a:ext cx="4426920" cy="2090880"/>
           </a:xfrm>
           <a:prstGeom prst="rect">
             <a:avLst/>
@@ -1280,7 +1280,7 @@
       </p:sp>
       <p:sp>
         <p:nvSpPr>
-          <p:cNvPr id="21" name="PlaceHolder 4"/>
+          <p:cNvPr id="16" name="PlaceHolder 4"/>
           <p:cNvSpPr>
             <a:spLocks noGrp="1"/>
           </p:cNvSpPr>
@@ -1290,8 +1290,8 @@
         </p:nvSpPr>
         <p:spPr>
           <a:xfrm>
-            <a:off x="5152680" y="4059360"/>
-            <a:ext cx="4426920" cy="2091240"/>
+            <a:off x="5152680" y="4058640"/>
+            <a:ext cx="4426920" cy="2090880"/>
           </a:xfrm>
           <a:prstGeom prst="rect">
             <a:avLst/>
@@ -1338,7 +1338,7 @@
       </p:grpSpPr>
       <p:sp>
         <p:nvSpPr>
-          <p:cNvPr id="22" name="PlaceHolder 1"/>
+          <p:cNvPr id="17" name="PlaceHolder 1"/>
           <p:cNvSpPr>
             <a:spLocks noGrp="1"/>
           </p:cNvSpPr>
@@ -1349,7 +1349,7 @@
         <p:spPr>
           <a:xfrm>
             <a:off x="504000" y="301320"/>
-            <a:ext cx="9071640" cy="1262160"/>
+            <a:ext cx="9072000" cy="1261800"/>
           </a:xfrm>
           <a:prstGeom prst="rect">
             <a:avLst/>
@@ -1375,7 +1375,7 @@
       </p:sp>
       <p:sp>
         <p:nvSpPr>
-          <p:cNvPr id="23" name="PlaceHolder 2"/>
+          <p:cNvPr id="18" name="PlaceHolder 2"/>
           <p:cNvSpPr>
             <a:spLocks noGrp="1"/>
           </p:cNvSpPr>
@@ -1385,8 +1385,8 @@
         </p:nvSpPr>
         <p:spPr>
           <a:xfrm>
-            <a:off x="504000" y="1769040"/>
-            <a:ext cx="4426920" cy="2091240"/>
+            <a:off x="504000" y="1768680"/>
+            <a:ext cx="4426920" cy="2090880"/>
           </a:xfrm>
           <a:prstGeom prst="rect">
             <a:avLst/>
@@ -1411,7 +1411,7 @@
       </p:sp>
       <p:sp>
         <p:nvSpPr>
-          <p:cNvPr id="24" name="PlaceHolder 3"/>
+          <p:cNvPr id="19" name="PlaceHolder 3"/>
           <p:cNvSpPr>
             <a:spLocks noGrp="1"/>
           </p:cNvSpPr>
@@ -1421,8 +1421,8 @@
         </p:nvSpPr>
         <p:spPr>
           <a:xfrm>
-            <a:off x="5152680" y="1769040"/>
-            <a:ext cx="4426920" cy="2091240"/>
+            <a:off x="5152680" y="1768680"/>
+            <a:ext cx="4426920" cy="2090880"/>
           </a:xfrm>
           <a:prstGeom prst="rect">
             <a:avLst/>
@@ -1447,7 +1447,7 @@
       </p:sp>
       <p:sp>
         <p:nvSpPr>
-          <p:cNvPr id="25" name="PlaceHolder 4"/>
+          <p:cNvPr id="20" name="PlaceHolder 4"/>
           <p:cNvSpPr>
             <a:spLocks noGrp="1"/>
           </p:cNvSpPr>
@@ -1457,8 +1457,8 @@
         </p:nvSpPr>
         <p:spPr>
           <a:xfrm>
-            <a:off x="504000" y="4059360"/>
-            <a:ext cx="9071640" cy="2091240"/>
+            <a:off x="504000" y="4058640"/>
+            <a:ext cx="9072000" cy="2090880"/>
           </a:xfrm>
           <a:prstGeom prst="rect">
             <a:avLst/>
@@ -1503,561 +1503,6 @@
           <a:chExt cx="0" cy="0"/>
         </a:xfrm>
       </p:grpSpPr>
-      <p:sp>
-        <p:nvSpPr>
-          <p:cNvPr id="0" name="PlaceHolder 1"/>
-          <p:cNvSpPr>
-            <a:spLocks noGrp="1"/>
-          </p:cNvSpPr>
-          <p:nvPr>
-            <p:ph type="title"/>
-          </p:nvPr>
-        </p:nvSpPr>
-        <p:spPr>
-          <a:xfrm>
-            <a:off x="504000" y="301320"/>
-            <a:ext cx="9071640" cy="1262160"/>
-          </a:xfrm>
-          <a:prstGeom prst="rect">
-            <a:avLst/>
-          </a:prstGeom>
-        </p:spPr>
-        <p:txBody>
-          <a:bodyPr lIns="0" rIns="0" tIns="0" bIns="0" anchor="ctr"/>
-          <a:p>
-            <a:pPr algn="ctr"/>
-            <a:r>
-              <a:rPr b="0" lang="en-US" sz="4400" spc="-1" strike="noStrike">
-                <a:solidFill>
-                  <a:srgbClr val="000000"/>
-                </a:solidFill>
-                <a:uFill>
-                  <a:solidFill>
-                    <a:srgbClr val="ffffff"/>
-                  </a:solidFill>
-                </a:uFill>
-                <a:latin typeface="Arial"/>
-              </a:rPr>
-              <a:t>タイトルテキストの書式を編集するにはクリックします。</a:t>
-            </a:r>
-            <a:endParaRPr b="0" lang="en-US" sz="4400" spc="-1" strike="noStrike">
-              <a:solidFill>
-                <a:srgbClr val="000000"/>
-              </a:solidFill>
-              <a:uFill>
-                <a:solidFill>
-                  <a:srgbClr val="ffffff"/>
-                </a:solidFill>
-              </a:uFill>
-              <a:latin typeface="Arial"/>
-            </a:endParaRPr>
-          </a:p>
-        </p:txBody>
-      </p:sp>
-      <p:sp>
-        <p:nvSpPr>
-          <p:cNvPr id="1" name="PlaceHolder 2"/>
-          <p:cNvSpPr>
-            <a:spLocks noGrp="1"/>
-          </p:cNvSpPr>
-          <p:nvPr>
-            <p:ph type="body"/>
-          </p:nvPr>
-        </p:nvSpPr>
-        <p:spPr>
-          <a:xfrm>
-            <a:off x="504000" y="1769040"/>
-            <a:ext cx="9071640" cy="4384440"/>
-          </a:xfrm>
-          <a:prstGeom prst="rect">
-            <a:avLst/>
-          </a:prstGeom>
-        </p:spPr>
-        <p:txBody>
-          <a:bodyPr lIns="0" rIns="0" tIns="0" bIns="0"/>
-          <a:p>
-            <a:pPr marL="432000" indent="-324000">
-              <a:buClr>
-                <a:srgbClr val="000000"/>
-              </a:buClr>
-              <a:buSzPct val="45000"/>
-              <a:buFont typeface="Wingdings" charset="2"/>
-              <a:buChar char=""/>
-            </a:pPr>
-            <a:r>
-              <a:rPr b="0" lang="en-US" sz="3200" spc="-1" strike="noStrike">
-                <a:solidFill>
-                  <a:srgbClr val="000000"/>
-                </a:solidFill>
-                <a:uFill>
-                  <a:solidFill>
-                    <a:srgbClr val="ffffff"/>
-                  </a:solidFill>
-                </a:uFill>
-                <a:latin typeface="Arial"/>
-              </a:rPr>
-              <a:t>アウトラインテキストの書式を編集するにはクリックします。</a:t>
-            </a:r>
-            <a:endParaRPr b="0" lang="en-US" sz="3200" spc="-1" strike="noStrike">
-              <a:solidFill>
-                <a:srgbClr val="000000"/>
-              </a:solidFill>
-              <a:uFill>
-                <a:solidFill>
-                  <a:srgbClr val="ffffff"/>
-                </a:solidFill>
-              </a:uFill>
-              <a:latin typeface="Arial"/>
-            </a:endParaRPr>
-          </a:p>
-          <a:p>
-            <a:pPr lvl="1" marL="864000" indent="-324000">
-              <a:buClr>
-                <a:srgbClr val="000000"/>
-              </a:buClr>
-              <a:buSzPct val="75000"/>
-              <a:buFont typeface="Symbol" charset="2"/>
-              <a:buChar char=""/>
-            </a:pPr>
-            <a:r>
-              <a:rPr b="0" lang="en-US" sz="2800" spc="-1" strike="noStrike">
-                <a:solidFill>
-                  <a:srgbClr val="000000"/>
-                </a:solidFill>
-                <a:uFill>
-                  <a:solidFill>
-                    <a:srgbClr val="ffffff"/>
-                  </a:solidFill>
-                </a:uFill>
-                <a:latin typeface="Arial"/>
-              </a:rPr>
-              <a:t>2</a:t>
-            </a:r>
-            <a:r>
-              <a:rPr b="0" lang="en-US" sz="2800" spc="-1" strike="noStrike">
-                <a:solidFill>
-                  <a:srgbClr val="000000"/>
-                </a:solidFill>
-                <a:uFill>
-                  <a:solidFill>
-                    <a:srgbClr val="ffffff"/>
-                  </a:solidFill>
-                </a:uFill>
-                <a:latin typeface="Arial"/>
-              </a:rPr>
-              <a:t>レベル目のアウトライン</a:t>
-            </a:r>
-            <a:endParaRPr b="0" lang="en-US" sz="2800" spc="-1" strike="noStrike">
-              <a:solidFill>
-                <a:srgbClr val="000000"/>
-              </a:solidFill>
-              <a:uFill>
-                <a:solidFill>
-                  <a:srgbClr val="ffffff"/>
-                </a:solidFill>
-              </a:uFill>
-              <a:latin typeface="Arial"/>
-            </a:endParaRPr>
-          </a:p>
-          <a:p>
-            <a:pPr lvl="2" marL="1296000" indent="-288000">
-              <a:buClr>
-                <a:srgbClr val="000000"/>
-              </a:buClr>
-              <a:buSzPct val="45000"/>
-              <a:buFont typeface="Wingdings" charset="2"/>
-              <a:buChar char=""/>
-            </a:pPr>
-            <a:r>
-              <a:rPr b="0" lang="en-US" sz="2400" spc="-1" strike="noStrike">
-                <a:solidFill>
-                  <a:srgbClr val="000000"/>
-                </a:solidFill>
-                <a:uFill>
-                  <a:solidFill>
-                    <a:srgbClr val="ffffff"/>
-                  </a:solidFill>
-                </a:uFill>
-                <a:latin typeface="Arial"/>
-              </a:rPr>
-              <a:t>3</a:t>
-            </a:r>
-            <a:r>
-              <a:rPr b="0" lang="en-US" sz="2400" spc="-1" strike="noStrike">
-                <a:solidFill>
-                  <a:srgbClr val="000000"/>
-                </a:solidFill>
-                <a:uFill>
-                  <a:solidFill>
-                    <a:srgbClr val="ffffff"/>
-                  </a:solidFill>
-                </a:uFill>
-                <a:latin typeface="Arial"/>
-              </a:rPr>
-              <a:t>レベル目のアウトライン</a:t>
-            </a:r>
-            <a:endParaRPr b="0" lang="en-US" sz="2400" spc="-1" strike="noStrike">
-              <a:solidFill>
-                <a:srgbClr val="000000"/>
-              </a:solidFill>
-              <a:uFill>
-                <a:solidFill>
-                  <a:srgbClr val="ffffff"/>
-                </a:solidFill>
-              </a:uFill>
-              <a:latin typeface="Arial"/>
-            </a:endParaRPr>
-          </a:p>
-          <a:p>
-            <a:pPr lvl="3" marL="1728000" indent="-216000">
-              <a:buClr>
-                <a:srgbClr val="000000"/>
-              </a:buClr>
-              <a:buSzPct val="75000"/>
-              <a:buFont typeface="Symbol" charset="2"/>
-              <a:buChar char=""/>
-            </a:pPr>
-            <a:r>
-              <a:rPr b="0" lang="en-US" sz="2000" spc="-1" strike="noStrike">
-                <a:solidFill>
-                  <a:srgbClr val="000000"/>
-                </a:solidFill>
-                <a:uFill>
-                  <a:solidFill>
-                    <a:srgbClr val="ffffff"/>
-                  </a:solidFill>
-                </a:uFill>
-                <a:latin typeface="Arial"/>
-              </a:rPr>
-              <a:t>4</a:t>
-            </a:r>
-            <a:r>
-              <a:rPr b="0" lang="en-US" sz="2000" spc="-1" strike="noStrike">
-                <a:solidFill>
-                  <a:srgbClr val="000000"/>
-                </a:solidFill>
-                <a:uFill>
-                  <a:solidFill>
-                    <a:srgbClr val="ffffff"/>
-                  </a:solidFill>
-                </a:uFill>
-                <a:latin typeface="Arial"/>
-              </a:rPr>
-              <a:t>レベル目のアウトライン</a:t>
-            </a:r>
-            <a:endParaRPr b="0" lang="en-US" sz="2000" spc="-1" strike="noStrike">
-              <a:solidFill>
-                <a:srgbClr val="000000"/>
-              </a:solidFill>
-              <a:uFill>
-                <a:solidFill>
-                  <a:srgbClr val="ffffff"/>
-                </a:solidFill>
-              </a:uFill>
-              <a:latin typeface="Arial"/>
-            </a:endParaRPr>
-          </a:p>
-          <a:p>
-            <a:pPr lvl="4" marL="2160000" indent="-216000">
-              <a:buClr>
-                <a:srgbClr val="000000"/>
-              </a:buClr>
-              <a:buSzPct val="45000"/>
-              <a:buFont typeface="Wingdings" charset="2"/>
-              <a:buChar char=""/>
-            </a:pPr>
-            <a:r>
-              <a:rPr b="0" lang="en-US" sz="2000" spc="-1" strike="noStrike">
-                <a:solidFill>
-                  <a:srgbClr val="000000"/>
-                </a:solidFill>
-                <a:uFill>
-                  <a:solidFill>
-                    <a:srgbClr val="ffffff"/>
-                  </a:solidFill>
-                </a:uFill>
-                <a:latin typeface="Arial"/>
-              </a:rPr>
-              <a:t>5</a:t>
-            </a:r>
-            <a:r>
-              <a:rPr b="0" lang="en-US" sz="2000" spc="-1" strike="noStrike">
-                <a:solidFill>
-                  <a:srgbClr val="000000"/>
-                </a:solidFill>
-                <a:uFill>
-                  <a:solidFill>
-                    <a:srgbClr val="ffffff"/>
-                  </a:solidFill>
-                </a:uFill>
-                <a:latin typeface="Arial"/>
-              </a:rPr>
-              <a:t>レベル目のアウトライン</a:t>
-            </a:r>
-            <a:endParaRPr b="0" lang="en-US" sz="2000" spc="-1" strike="noStrike">
-              <a:solidFill>
-                <a:srgbClr val="000000"/>
-              </a:solidFill>
-              <a:uFill>
-                <a:solidFill>
-                  <a:srgbClr val="ffffff"/>
-                </a:solidFill>
-              </a:uFill>
-              <a:latin typeface="Arial"/>
-            </a:endParaRPr>
-          </a:p>
-          <a:p>
-            <a:pPr lvl="5" marL="2592000" indent="-216000">
-              <a:buClr>
-                <a:srgbClr val="000000"/>
-              </a:buClr>
-              <a:buSzPct val="45000"/>
-              <a:buFont typeface="Wingdings" charset="2"/>
-              <a:buChar char=""/>
-            </a:pPr>
-            <a:r>
-              <a:rPr b="0" lang="en-US" sz="2000" spc="-1" strike="noStrike">
-                <a:solidFill>
-                  <a:srgbClr val="000000"/>
-                </a:solidFill>
-                <a:uFill>
-                  <a:solidFill>
-                    <a:srgbClr val="ffffff"/>
-                  </a:solidFill>
-                </a:uFill>
-                <a:latin typeface="Arial"/>
-              </a:rPr>
-              <a:t>6</a:t>
-            </a:r>
-            <a:r>
-              <a:rPr b="0" lang="en-US" sz="2000" spc="-1" strike="noStrike">
-                <a:solidFill>
-                  <a:srgbClr val="000000"/>
-                </a:solidFill>
-                <a:uFill>
-                  <a:solidFill>
-                    <a:srgbClr val="ffffff"/>
-                  </a:solidFill>
-                </a:uFill>
-                <a:latin typeface="Arial"/>
-              </a:rPr>
-              <a:t>レベル目のアウトライン</a:t>
-            </a:r>
-            <a:endParaRPr b="0" lang="en-US" sz="2000" spc="-1" strike="noStrike">
-              <a:solidFill>
-                <a:srgbClr val="000000"/>
-              </a:solidFill>
-              <a:uFill>
-                <a:solidFill>
-                  <a:srgbClr val="ffffff"/>
-                </a:solidFill>
-              </a:uFill>
-              <a:latin typeface="Arial"/>
-            </a:endParaRPr>
-          </a:p>
-          <a:p>
-            <a:pPr lvl="6" marL="3024000" indent="-216000">
-              <a:buClr>
-                <a:srgbClr val="000000"/>
-              </a:buClr>
-              <a:buSzPct val="45000"/>
-              <a:buFont typeface="Wingdings" charset="2"/>
-              <a:buChar char=""/>
-            </a:pPr>
-            <a:r>
-              <a:rPr b="0" lang="en-US" sz="2000" spc="-1" strike="noStrike">
-                <a:solidFill>
-                  <a:srgbClr val="000000"/>
-                </a:solidFill>
-                <a:uFill>
-                  <a:solidFill>
-                    <a:srgbClr val="ffffff"/>
-                  </a:solidFill>
-                </a:uFill>
-                <a:latin typeface="Arial"/>
-              </a:rPr>
-              <a:t>7</a:t>
-            </a:r>
-            <a:r>
-              <a:rPr b="0" lang="en-US" sz="2000" spc="-1" strike="noStrike">
-                <a:solidFill>
-                  <a:srgbClr val="000000"/>
-                </a:solidFill>
-                <a:uFill>
-                  <a:solidFill>
-                    <a:srgbClr val="ffffff"/>
-                  </a:solidFill>
-                </a:uFill>
-                <a:latin typeface="Arial"/>
-              </a:rPr>
-              <a:t>レベル目のアウトライン</a:t>
-            </a:r>
-            <a:endParaRPr b="0" lang="en-US" sz="2000" spc="-1" strike="noStrike">
-              <a:solidFill>
-                <a:srgbClr val="000000"/>
-              </a:solidFill>
-              <a:uFill>
-                <a:solidFill>
-                  <a:srgbClr val="ffffff"/>
-                </a:solidFill>
-              </a:uFill>
-              <a:latin typeface="Arial"/>
-            </a:endParaRPr>
-          </a:p>
-        </p:txBody>
-      </p:sp>
-      <p:sp>
-        <p:nvSpPr>
-          <p:cNvPr id="2" name="PlaceHolder 3"/>
-          <p:cNvSpPr>
-            <a:spLocks noGrp="1"/>
-          </p:cNvSpPr>
-          <p:nvPr>
-            <p:ph type="dt"/>
-          </p:nvPr>
-        </p:nvSpPr>
-        <p:spPr>
-          <a:xfrm>
-            <a:off x="504000" y="6887160"/>
-            <a:ext cx="2348280" cy="521280"/>
-          </a:xfrm>
-          <a:prstGeom prst="rect">
-            <a:avLst/>
-          </a:prstGeom>
-        </p:spPr>
-        <p:txBody>
-          <a:bodyPr lIns="0" rIns="0" tIns="0" bIns="0"/>
-          <a:p>
-            <a:r>
-              <a:rPr b="0" lang="en-US" sz="1400" spc="-1" strike="noStrike">
-                <a:solidFill>
-                  <a:srgbClr val="000000"/>
-                </a:solidFill>
-                <a:uFill>
-                  <a:solidFill>
-                    <a:srgbClr val="ffffff"/>
-                  </a:solidFill>
-                </a:uFill>
-                <a:latin typeface="Times New Roman"/>
-              </a:rPr>
-              <a:t>&lt;日付/時刻&gt;</a:t>
-            </a:r>
-            <a:endParaRPr b="0" lang="en-US" sz="1400" spc="-1" strike="noStrike">
-              <a:solidFill>
-                <a:srgbClr val="000000"/>
-              </a:solidFill>
-              <a:uFill>
-                <a:solidFill>
-                  <a:srgbClr val="ffffff"/>
-                </a:solidFill>
-              </a:uFill>
-              <a:latin typeface="Times New Roman"/>
-            </a:endParaRPr>
-          </a:p>
-        </p:txBody>
-      </p:sp>
-      <p:sp>
-        <p:nvSpPr>
-          <p:cNvPr id="3" name="PlaceHolder 4"/>
-          <p:cNvSpPr>
-            <a:spLocks noGrp="1"/>
-          </p:cNvSpPr>
-          <p:nvPr>
-            <p:ph type="ftr"/>
-          </p:nvPr>
-        </p:nvSpPr>
-        <p:spPr>
-          <a:xfrm>
-            <a:off x="3447360" y="6887160"/>
-            <a:ext cx="3195000" cy="521280"/>
-          </a:xfrm>
-          <a:prstGeom prst="rect">
-            <a:avLst/>
-          </a:prstGeom>
-        </p:spPr>
-        <p:txBody>
-          <a:bodyPr lIns="0" rIns="0" tIns="0" bIns="0"/>
-          <a:p>
-            <a:pPr algn="ctr"/>
-            <a:r>
-              <a:rPr b="0" lang="en-US" sz="1400" spc="-1" strike="noStrike">
-                <a:solidFill>
-                  <a:srgbClr val="000000"/>
-                </a:solidFill>
-                <a:uFill>
-                  <a:solidFill>
-                    <a:srgbClr val="ffffff"/>
-                  </a:solidFill>
-                </a:uFill>
-                <a:latin typeface="Times New Roman"/>
-              </a:rPr>
-              <a:t>&lt;フッター&gt;</a:t>
-            </a:r>
-            <a:endParaRPr b="0" lang="en-US" sz="1400" spc="-1" strike="noStrike">
-              <a:solidFill>
-                <a:srgbClr val="000000"/>
-              </a:solidFill>
-              <a:uFill>
-                <a:solidFill>
-                  <a:srgbClr val="ffffff"/>
-                </a:solidFill>
-              </a:uFill>
-              <a:latin typeface="Times New Roman"/>
-            </a:endParaRPr>
-          </a:p>
-        </p:txBody>
-      </p:sp>
-      <p:sp>
-        <p:nvSpPr>
-          <p:cNvPr id="4" name="PlaceHolder 5"/>
-          <p:cNvSpPr>
-            <a:spLocks noGrp="1"/>
-          </p:cNvSpPr>
-          <p:nvPr>
-            <p:ph type="sldNum"/>
-          </p:nvPr>
-        </p:nvSpPr>
-        <p:spPr>
-          <a:xfrm>
-            <a:off x="7227360" y="6887160"/>
-            <a:ext cx="2348280" cy="521280"/>
-          </a:xfrm>
-          <a:prstGeom prst="rect">
-            <a:avLst/>
-          </a:prstGeom>
-        </p:spPr>
-        <p:txBody>
-          <a:bodyPr lIns="0" rIns="0" tIns="0" bIns="0"/>
-          <a:p>
-            <a:pPr algn="r"/>
-            <a:fld id="{D36B925E-FD15-44D0-A7A5-213A4090CB36}" type="slidenum">
-              <a:rPr b="0" lang="en-US" sz="1400" spc="-1" strike="noStrike">
-                <a:solidFill>
-                  <a:srgbClr val="000000"/>
-                </a:solidFill>
-                <a:uFill>
-                  <a:solidFill>
-                    <a:srgbClr val="ffffff"/>
-                  </a:solidFill>
-                </a:uFill>
-                <a:latin typeface="Times New Roman"/>
-              </a:rPr>
-              <a:t>&lt;番号&gt;</a:t>
-            </a:fld>
-            <a:endParaRPr b="0" lang="en-US" sz="1400" spc="-1" strike="noStrike">
-              <a:solidFill>
-                <a:srgbClr val="000000"/>
-              </a:solidFill>
-              <a:uFill>
-                <a:solidFill>
-                  <a:srgbClr val="ffffff"/>
-                </a:solidFill>
-              </a:uFill>
-              <a:latin typeface="Times New Roman"/>
-            </a:endParaRPr>
-          </a:p>
-        </p:txBody>
-      </p:sp>
     </p:spTree>
   </p:cSld>
   <p:clrMap bg1="lt1" bg2="lt2" tx1="dk1" tx2="dk2" accent1="accent1" accent2="accent2" accent3="accent3" accent4="accent4" accent5="accent5" accent6="accent6" hlink="hlink" folHlink="folHlink"/>
@@ -2097,14 +1542,14 @@
       </p:grpSpPr>
       <p:sp>
         <p:nvSpPr>
-          <p:cNvPr id="39" name="CustomShape 1"/>
+          <p:cNvPr id="34" name="CustomShape 1"/>
           <p:cNvSpPr/>
           <p:nvPr/>
         </p:nvSpPr>
         <p:spPr>
           <a:xfrm>
-            <a:off x="1584000" y="1877760"/>
-            <a:ext cx="2923920" cy="3738240"/>
+            <a:off x="504000" y="1160280"/>
+            <a:ext cx="3776400" cy="4813920"/>
           </a:xfrm>
           <a:prstGeom prst="rect">
             <a:avLst/>
@@ -2126,14 +1571,14 @@
       </p:sp>
       <p:sp>
         <p:nvSpPr>
-          <p:cNvPr id="40" name="CustomShape 2"/>
+          <p:cNvPr id="35" name="CustomShape 2"/>
           <p:cNvSpPr/>
           <p:nvPr/>
         </p:nvSpPr>
         <p:spPr>
           <a:xfrm>
-            <a:off x="1584000" y="5688000"/>
-            <a:ext cx="6912000" cy="936000"/>
+            <a:off x="504000" y="6066720"/>
+            <a:ext cx="8928000" cy="1205280"/>
           </a:xfrm>
           <a:prstGeom prst="rect">
             <a:avLst/>
@@ -2155,7 +1600,11 @@
         <p:txBody>
           <a:bodyPr wrap="none" lIns="91080" rIns="91080" tIns="46080" bIns="46080" anchor="ctr"/>
           <a:p>
-            <a:pPr algn="ctr"/>
+            <a:pPr algn="ctr">
+              <a:lnSpc>
+                <a:spcPct val="100000"/>
+              </a:lnSpc>
+            </a:pPr>
             <a:r>
               <a:rPr b="0" lang="en-US" sz="1800" spc="-1" strike="noStrike">
                 <a:solidFill>
@@ -2167,6 +1616,7 @@
                   </a:solidFill>
                 </a:uFill>
                 <a:latin typeface="Arial"/>
+                <a:ea typeface="DejaVu Sans"/>
               </a:rPr>
               <a:t>OS</a:t>
             </a:r>
@@ -2186,14 +1636,14 @@
       </p:sp>
       <p:sp>
         <p:nvSpPr>
-          <p:cNvPr id="41" name="TextShape 3"/>
-          <p:cNvSpPr txBox="1"/>
+          <p:cNvPr id="36" name="CustomShape 3"/>
+          <p:cNvSpPr/>
           <p:nvPr/>
         </p:nvSpPr>
         <p:spPr>
           <a:xfrm>
-            <a:off x="1663200" y="1368000"/>
-            <a:ext cx="1261800" cy="376200"/>
+            <a:off x="606600" y="504000"/>
+            <a:ext cx="1629360" cy="483840"/>
           </a:xfrm>
           <a:prstGeom prst="rect">
             <a:avLst/>
@@ -2203,6 +1653,12 @@
             <a:noFill/>
           </a:ln>
         </p:spPr>
+        <p:style>
+          <a:lnRef idx="0"/>
+          <a:fillRef idx="0"/>
+          <a:effectRef idx="0"/>
+          <a:fontRef idx="minor"/>
+        </p:style>
         <p:txBody>
           <a:bodyPr lIns="90000" rIns="90000" tIns="45000" bIns="45000"/>
           <a:p>
@@ -2236,14 +1692,14 @@
       </p:sp>
       <p:sp>
         <p:nvSpPr>
-          <p:cNvPr id="42" name="CustomShape 4"/>
+          <p:cNvPr id="37" name="CustomShape 4"/>
           <p:cNvSpPr/>
           <p:nvPr/>
         </p:nvSpPr>
         <p:spPr>
           <a:xfrm>
-            <a:off x="1821240" y="2217600"/>
-            <a:ext cx="2449440" cy="679680"/>
+            <a:off x="810720" y="1597680"/>
+            <a:ext cx="3163320" cy="875160"/>
           </a:xfrm>
           <a:prstGeom prst="rect">
             <a:avLst/>
@@ -2265,7 +1721,11 @@
         <p:txBody>
           <a:bodyPr wrap="none" lIns="86760" rIns="86760" tIns="41760" bIns="41760" anchor="ctr"/>
           <a:p>
-            <a:pPr algn="ctr"/>
+            <a:pPr algn="ctr">
+              <a:lnSpc>
+                <a:spcPct val="100000"/>
+              </a:lnSpc>
+            </a:pPr>
             <a:r>
               <a:rPr b="0" lang="en-US" sz="1800" spc="-1" strike="noStrike">
                 <a:solidFill>
@@ -2277,6 +1737,7 @@
                   </a:solidFill>
                 </a:uFill>
                 <a:latin typeface="Arial"/>
+                <a:ea typeface="DejaVu Sans"/>
               </a:rPr>
               <a:t>プロセス</a:t>
             </a:r>
@@ -2296,14 +1757,14 @@
       </p:sp>
       <p:sp>
         <p:nvSpPr>
-          <p:cNvPr id="43" name="CustomShape 5"/>
+          <p:cNvPr id="38" name="CustomShape 5"/>
           <p:cNvSpPr/>
           <p:nvPr/>
         </p:nvSpPr>
         <p:spPr>
           <a:xfrm>
-            <a:off x="1821240" y="3067200"/>
-            <a:ext cx="2449440" cy="679680"/>
+            <a:off x="810720" y="2692440"/>
+            <a:ext cx="3163320" cy="874800"/>
           </a:xfrm>
           <a:prstGeom prst="rect">
             <a:avLst/>
@@ -2325,7 +1786,11 @@
         <p:txBody>
           <a:bodyPr wrap="none" lIns="86760" rIns="86760" tIns="41760" bIns="41760" anchor="ctr"/>
           <a:p>
-            <a:pPr algn="ctr"/>
+            <a:pPr algn="ctr">
+              <a:lnSpc>
+                <a:spcPct val="100000"/>
+              </a:lnSpc>
+            </a:pPr>
             <a:r>
               <a:rPr b="0" lang="en-US" sz="1800" spc="-1" strike="noStrike">
                 <a:solidFill>
@@ -2337,6 +1802,7 @@
                   </a:solidFill>
                 </a:uFill>
                 <a:latin typeface="Arial"/>
+                <a:ea typeface="DejaVu Sans"/>
               </a:rPr>
               <a:t>プロセス</a:t>
             </a:r>
@@ -2356,14 +1822,14 @@
       </p:sp>
       <p:sp>
         <p:nvSpPr>
-          <p:cNvPr id="44" name="CustomShape 6"/>
+          <p:cNvPr id="39" name="CustomShape 6"/>
           <p:cNvSpPr/>
           <p:nvPr/>
         </p:nvSpPr>
         <p:spPr>
           <a:xfrm>
-            <a:off x="1821240" y="3916800"/>
-            <a:ext cx="2449440" cy="679680"/>
+            <a:off x="810720" y="3786120"/>
+            <a:ext cx="3163320" cy="874800"/>
           </a:xfrm>
           <a:prstGeom prst="rect">
             <a:avLst/>
@@ -2385,7 +1851,11 @@
         <p:txBody>
           <a:bodyPr wrap="none" lIns="86760" rIns="86760" tIns="41760" bIns="41760" anchor="ctr"/>
           <a:p>
-            <a:pPr algn="ctr"/>
+            <a:pPr algn="ctr">
+              <a:lnSpc>
+                <a:spcPct val="100000"/>
+              </a:lnSpc>
+            </a:pPr>
             <a:r>
               <a:rPr b="0" lang="en-US" sz="1800" spc="-1" strike="noStrike">
                 <a:solidFill>
@@ -2397,6 +1867,7 @@
                   </a:solidFill>
                 </a:uFill>
                 <a:latin typeface="Arial"/>
+                <a:ea typeface="DejaVu Sans"/>
               </a:rPr>
               <a:t>デバイス</a:t>
             </a:r>
@@ -2416,14 +1887,14 @@
       </p:sp>
       <p:sp>
         <p:nvSpPr>
-          <p:cNvPr id="45" name="CustomShape 7"/>
+          <p:cNvPr id="40" name="CustomShape 7"/>
           <p:cNvSpPr/>
           <p:nvPr/>
         </p:nvSpPr>
         <p:spPr>
           <a:xfrm>
-            <a:off x="1821240" y="4766400"/>
-            <a:ext cx="2449440" cy="679680"/>
+            <a:off x="810720" y="4880160"/>
+            <a:ext cx="3163320" cy="874800"/>
           </a:xfrm>
           <a:prstGeom prst="rect">
             <a:avLst/>
@@ -2445,7 +1916,11 @@
         <p:txBody>
           <a:bodyPr wrap="none" lIns="86760" rIns="86760" tIns="41760" bIns="41760" anchor="ctr"/>
           <a:p>
-            <a:pPr algn="ctr"/>
+            <a:pPr algn="ctr">
+              <a:lnSpc>
+                <a:spcPct val="100000"/>
+              </a:lnSpc>
+            </a:pPr>
             <a:r>
               <a:rPr b="0" lang="en-US" sz="1800" spc="-1" strike="noStrike">
                 <a:solidFill>
@@ -2457,6 +1932,7 @@
                   </a:solidFill>
                 </a:uFill>
                 <a:latin typeface="Arial"/>
+                <a:ea typeface="DejaVu Sans"/>
               </a:rPr>
               <a:t>メモリ</a:t>
             </a:r>
@@ -2476,14 +1952,14 @@
       </p:sp>
       <p:sp>
         <p:nvSpPr>
-          <p:cNvPr id="46" name="CustomShape 8"/>
+          <p:cNvPr id="41" name="CustomShape 8"/>
           <p:cNvSpPr/>
           <p:nvPr/>
         </p:nvSpPr>
         <p:spPr>
           <a:xfrm>
-            <a:off x="5297040" y="1941120"/>
-            <a:ext cx="3198960" cy="3674880"/>
+            <a:off x="5300280" y="1242000"/>
+            <a:ext cx="4131720" cy="4732200"/>
           </a:xfrm>
           <a:prstGeom prst="rect">
             <a:avLst/>
@@ -2505,14 +1981,14 @@
       </p:sp>
       <p:sp>
         <p:nvSpPr>
-          <p:cNvPr id="47" name="TextShape 9"/>
-          <p:cNvSpPr txBox="1"/>
+          <p:cNvPr id="42" name="CustomShape 9"/>
+          <p:cNvSpPr/>
           <p:nvPr/>
         </p:nvSpPr>
         <p:spPr>
           <a:xfrm>
-            <a:off x="5383440" y="1440000"/>
-            <a:ext cx="1397520" cy="401760"/>
+            <a:off x="5411880" y="596880"/>
+            <a:ext cx="1805040" cy="516600"/>
           </a:xfrm>
           <a:prstGeom prst="rect">
             <a:avLst/>
@@ -2522,6 +1998,12 @@
             <a:noFill/>
           </a:ln>
         </p:spPr>
+        <p:style>
+          <a:lnRef idx="0"/>
+          <a:fillRef idx="0"/>
+          <a:effectRef idx="0"/>
+          <a:fontRef idx="minor"/>
+        </p:style>
         <p:txBody>
           <a:bodyPr lIns="90000" rIns="90000" tIns="45000" bIns="45000"/>
           <a:p>
@@ -2569,14 +2051,14 @@
       </p:sp>
       <p:sp>
         <p:nvSpPr>
-          <p:cNvPr id="48" name="CustomShape 10"/>
+          <p:cNvPr id="43" name="CustomShape 10"/>
           <p:cNvSpPr/>
           <p:nvPr/>
         </p:nvSpPr>
         <p:spPr>
           <a:xfrm>
-            <a:off x="5556600" y="2275200"/>
-            <a:ext cx="2680200" cy="668160"/>
+            <a:off x="5635440" y="1672560"/>
+            <a:ext cx="3461400" cy="859680"/>
           </a:xfrm>
           <a:prstGeom prst="rect">
             <a:avLst/>
@@ -2598,7 +2080,11 @@
         <p:txBody>
           <a:bodyPr wrap="none" lIns="86760" rIns="86760" tIns="41760" bIns="41760" anchor="ctr"/>
           <a:p>
-            <a:pPr algn="ctr"/>
+            <a:pPr algn="ctr">
+              <a:lnSpc>
+                <a:spcPct val="100000"/>
+              </a:lnSpc>
+            </a:pPr>
             <a:r>
               <a:rPr b="0" lang="en-US" sz="1800" spc="-1" strike="noStrike">
                 <a:solidFill>
@@ -2610,6 +2096,7 @@
                   </a:solidFill>
                 </a:uFill>
                 <a:latin typeface="Arial"/>
+                <a:ea typeface="DejaVu Sans"/>
               </a:rPr>
               <a:t>プロセス</a:t>
             </a:r>
@@ -2629,14 +2116,14 @@
       </p:sp>
       <p:sp>
         <p:nvSpPr>
-          <p:cNvPr id="49" name="CustomShape 11"/>
+          <p:cNvPr id="44" name="CustomShape 11"/>
           <p:cNvSpPr/>
           <p:nvPr/>
         </p:nvSpPr>
         <p:spPr>
           <a:xfrm>
-            <a:off x="5556600" y="3110400"/>
-            <a:ext cx="2680200" cy="668160"/>
+            <a:off x="5635440" y="2747520"/>
+            <a:ext cx="3461400" cy="860400"/>
           </a:xfrm>
           <a:prstGeom prst="rect">
             <a:avLst/>
@@ -2658,7 +2145,11 @@
         <p:txBody>
           <a:bodyPr wrap="none" lIns="86760" rIns="86760" tIns="41760" bIns="41760" anchor="ctr"/>
           <a:p>
-            <a:pPr algn="ctr"/>
+            <a:pPr algn="ctr">
+              <a:lnSpc>
+                <a:spcPct val="100000"/>
+              </a:lnSpc>
+            </a:pPr>
             <a:r>
               <a:rPr b="0" lang="en-US" sz="1800" spc="-1" strike="noStrike">
                 <a:solidFill>
@@ -2670,6 +2161,7 @@
                   </a:solidFill>
                 </a:uFill>
                 <a:latin typeface="Arial"/>
+                <a:ea typeface="DejaVu Sans"/>
               </a:rPr>
               <a:t>プロセス</a:t>
             </a:r>
@@ -2689,14 +2181,14 @@
       </p:sp>
       <p:sp>
         <p:nvSpPr>
-          <p:cNvPr id="50" name="CustomShape 12"/>
+          <p:cNvPr id="45" name="CustomShape 12"/>
           <p:cNvSpPr/>
           <p:nvPr/>
         </p:nvSpPr>
         <p:spPr>
           <a:xfrm>
-            <a:off x="5556600" y="3945600"/>
-            <a:ext cx="2680200" cy="668160"/>
+            <a:off x="5635440" y="3823200"/>
+            <a:ext cx="3461400" cy="860400"/>
           </a:xfrm>
           <a:prstGeom prst="rect">
             <a:avLst/>
@@ -2718,7 +2210,11 @@
         <p:txBody>
           <a:bodyPr wrap="none" lIns="86760" rIns="86760" tIns="41760" bIns="41760" anchor="ctr"/>
           <a:p>
-            <a:pPr algn="ctr"/>
+            <a:pPr algn="ctr">
+              <a:lnSpc>
+                <a:spcPct val="100000"/>
+              </a:lnSpc>
+            </a:pPr>
             <a:r>
               <a:rPr b="0" lang="en-US" sz="1800" spc="-1" strike="noStrike">
                 <a:solidFill>
@@ -2730,6 +2226,7 @@
                   </a:solidFill>
                 </a:uFill>
                 <a:latin typeface="Arial"/>
+                <a:ea typeface="DejaVu Sans"/>
               </a:rPr>
               <a:t>デバイス</a:t>
             </a:r>
@@ -2749,14 +2246,14 @@
       </p:sp>
       <p:sp>
         <p:nvSpPr>
-          <p:cNvPr id="51" name="CustomShape 13"/>
+          <p:cNvPr id="46" name="CustomShape 13"/>
           <p:cNvSpPr/>
           <p:nvPr/>
         </p:nvSpPr>
         <p:spPr>
           <a:xfrm>
-            <a:off x="5556600" y="4780800"/>
-            <a:ext cx="2680200" cy="668160"/>
+            <a:off x="5635440" y="4899240"/>
+            <a:ext cx="3461400" cy="859320"/>
           </a:xfrm>
           <a:prstGeom prst="rect">
             <a:avLst/>
@@ -2778,7 +2275,11 @@
         <p:txBody>
           <a:bodyPr wrap="none" lIns="86760" rIns="86760" tIns="41760" bIns="41760" anchor="ctr"/>
           <a:p>
-            <a:pPr algn="ctr"/>
+            <a:pPr algn="ctr">
+              <a:lnSpc>
+                <a:spcPct val="100000"/>
+              </a:lnSpc>
+            </a:pPr>
             <a:r>
               <a:rPr b="0" lang="en-US" sz="1800" spc="-1" strike="noStrike">
                 <a:solidFill>
@@ -2790,6 +2291,7 @@
                   </a:solidFill>
                 </a:uFill>
                 <a:latin typeface="Arial"/>
+                <a:ea typeface="DejaVu Sans"/>
               </a:rPr>
               <a:t>メモリ</a:t>
             </a:r>
@@ -2809,14 +2311,14 @@
       </p:sp>
       <p:sp>
         <p:nvSpPr>
-          <p:cNvPr id="52" name="Line 14"/>
+          <p:cNvPr id="47" name="Line 14"/>
           <p:cNvSpPr/>
           <p:nvPr/>
         </p:nvSpPr>
         <p:spPr>
           <a:xfrm>
-            <a:off x="4270680" y="2592000"/>
-            <a:ext cx="1285920" cy="1800000"/>
+            <a:off x="3974400" y="2080080"/>
+            <a:ext cx="1661040" cy="2318040"/>
           </a:xfrm>
           <a:prstGeom prst="line">
             <a:avLst/>
@@ -2838,14 +2340,14 @@
       </p:sp>
       <p:sp>
         <p:nvSpPr>
-          <p:cNvPr id="53" name="Line 15"/>
+          <p:cNvPr id="48" name="Line 15"/>
           <p:cNvSpPr/>
           <p:nvPr/>
         </p:nvSpPr>
         <p:spPr>
           <a:xfrm>
-            <a:off x="4896000" y="3024000"/>
-            <a:ext cx="0" cy="887040"/>
+            <a:off x="4782240" y="2636640"/>
+            <a:ext cx="360" cy="1142280"/>
           </a:xfrm>
           <a:prstGeom prst="line">
             <a:avLst/>
@@ -2866,14 +2368,14 @@
       </p:sp>
       <p:sp>
         <p:nvSpPr>
-          <p:cNvPr id="54" name="Line 16"/>
+          <p:cNvPr id="49" name="Line 16"/>
           <p:cNvSpPr/>
           <p:nvPr/>
         </p:nvSpPr>
         <p:spPr>
           <a:xfrm flipV="1">
-            <a:off x="4505040" y="3384000"/>
-            <a:ext cx="792000" cy="144000"/>
+            <a:off x="4277160" y="3099960"/>
+            <a:ext cx="1023120" cy="185760"/>
           </a:xfrm>
           <a:prstGeom prst="line">
             <a:avLst/>
